--- a/Docs/presi.pptx
+++ b/Docs/presi.pptx
@@ -8,7 +8,7 @@
     <p:sldId id="256" r:id="rId2"/>
     <p:sldId id="258" r:id="rId3"/>
     <p:sldId id="259" r:id="rId4"/>
-    <p:sldId id="260" r:id="rId5"/>
+    <p:sldId id="261" r:id="rId5"/>
   </p:sldIdLst>
   <p:sldSz cx="12192000" cy="6858000"/>
   <p:notesSz cx="6858000" cy="9144000"/>
@@ -107,6 +107,11 @@
       </a:defRPr>
     </a:lvl9pPr>
   </p:defaultTextStyle>
+  <p:extLst>
+    <p:ext uri="{EFAFB233-063F-42B5-8137-9DF3F51BA10A}">
+      <p15:sldGuideLst xmlns:p15="http://schemas.microsoft.com/office/powerpoint/2012/main"/>
+    </p:ext>
+  </p:extLst>
 </p:presentation>
 </file>
 
@@ -3134,7 +3139,11 @@
             </a:r>
             <a:r>
               <a:rPr lang="de-AT" dirty="0" smtClean="0"/>
-              <a:t> 3 </a:t>
+              <a:t> </a:t>
+            </a:r>
+            <a:r>
+              <a:rPr lang="de-AT" dirty="0" smtClean="0"/>
+              <a:t>different </a:t>
             </a:r>
             <a:r>
               <a:rPr lang="de-AT" dirty="0" err="1" smtClean="0"/>
@@ -3159,53 +3168,9 @@
             <a:endParaRPr lang="de-AT" dirty="0" smtClean="0"/>
           </a:p>
           <a:p>
-            <a:r>
-              <a:rPr lang="de-AT" dirty="0" err="1" smtClean="0"/>
-              <a:t>Recieve</a:t>
-            </a:r>
-            <a:r>
-              <a:rPr lang="de-AT" dirty="0" smtClean="0"/>
-              <a:t> Items </a:t>
-            </a:r>
-            <a:r>
-              <a:rPr lang="de-AT" dirty="0" err="1" smtClean="0"/>
-              <a:t>that</a:t>
-            </a:r>
-            <a:r>
-              <a:rPr lang="de-AT" dirty="0" smtClean="0"/>
-              <a:t> </a:t>
-            </a:r>
-            <a:r>
-              <a:rPr lang="de-AT" dirty="0" err="1" smtClean="0"/>
-              <a:t>help</a:t>
-            </a:r>
-            <a:r>
-              <a:rPr lang="de-AT" dirty="0" smtClean="0"/>
-              <a:t> </a:t>
-            </a:r>
-            <a:r>
-              <a:rPr lang="de-AT" dirty="0" err="1" smtClean="0"/>
-              <a:t>you</a:t>
-            </a:r>
-            <a:r>
-              <a:rPr lang="de-AT" dirty="0" smtClean="0"/>
-              <a:t> in </a:t>
-            </a:r>
-            <a:r>
-              <a:rPr lang="de-AT" dirty="0" err="1" smtClean="0"/>
-              <a:t>certain</a:t>
-            </a:r>
-            <a:r>
-              <a:rPr lang="de-AT" dirty="0" smtClean="0"/>
-              <a:t> </a:t>
-            </a:r>
-            <a:r>
-              <a:rPr lang="de-AT" dirty="0" err="1" smtClean="0"/>
-              <a:t>encounters</a:t>
-            </a:r>
-            <a:endParaRPr lang="de-AT" dirty="0" smtClean="0"/>
-          </a:p>
-          <a:p>
+            <a:pPr marL="0" indent="0">
+              <a:buNone/>
+            </a:pPr>
             <a:endParaRPr lang="de-AT" dirty="0"/>
           </a:p>
           <a:p>
@@ -3347,7 +3312,30 @@
       </p:grpSpPr>
       <p:sp>
         <p:nvSpPr>
-          <p:cNvPr id="5" name="Inhaltsplatzhalter 4"/>
+          <p:cNvPr id="2" name="Titel 1"/>
+          <p:cNvSpPr>
+            <a:spLocks noGrp="1"/>
+          </p:cNvSpPr>
+          <p:nvPr>
+            <p:ph type="title"/>
+          </p:nvPr>
+        </p:nvSpPr>
+        <p:spPr/>
+        <p:txBody>
+          <a:bodyPr/>
+          <a:lstStyle/>
+          <a:p>
+            <a:r>
+              <a:rPr lang="de-AT" dirty="0" smtClean="0"/>
+              <a:t>Patterns	</a:t>
+            </a:r>
+            <a:endParaRPr lang="de-AT" dirty="0"/>
+          </a:p>
+        </p:txBody>
+      </p:sp>
+      <p:sp>
+        <p:nvSpPr>
+          <p:cNvPr id="3" name="Inhaltsplatzhalter 2"/>
           <p:cNvSpPr>
             <a:spLocks noGrp="1"/>
           </p:cNvSpPr>
@@ -3355,375 +3343,59 @@
             <p:ph idx="1"/>
           </p:nvPr>
         </p:nvSpPr>
+        <p:spPr/>
+        <p:txBody>
+          <a:bodyPr/>
+          <a:lstStyle/>
+          <a:p>
+            <a:r>
+              <a:rPr lang="de-AT" dirty="0" smtClean="0"/>
+              <a:t>State Pattern</a:t>
+            </a:r>
+          </a:p>
+          <a:p>
+            <a:r>
+              <a:rPr lang="de-AT" dirty="0" smtClean="0"/>
+              <a:t>Command Pattern</a:t>
+            </a:r>
+            <a:endParaRPr lang="de-AT" dirty="0"/>
+          </a:p>
+        </p:txBody>
+      </p:sp>
+      <p:pic>
+        <p:nvPicPr>
+          <p:cNvPr id="4" name="Grafik 3"/>
+          <p:cNvPicPr>
+            <a:picLocks noChangeAspect="1"/>
+          </p:cNvPicPr>
+          <p:nvPr/>
+        </p:nvPicPr>
+        <p:blipFill>
+          <a:blip r:embed="rId2">
+            <a:extLst>
+              <a:ext uri="{28A0092B-C50C-407E-A947-70E740481C1C}">
+                <a14:useLocalDpi xmlns:a14="http://schemas.microsoft.com/office/drawing/2010/main" val="0"/>
+              </a:ext>
+            </a:extLst>
+          </a:blip>
+          <a:stretch>
+            <a:fillRect/>
+          </a:stretch>
+        </p:blipFill>
         <p:spPr>
           <a:xfrm>
-            <a:off x="897577" y="320635"/>
-            <a:ext cx="10515600" cy="6187044"/>
+            <a:off x="2159000" y="365125"/>
+            <a:ext cx="11277600" cy="7975178"/>
           </a:xfrm>
+          <a:prstGeom prst="rect">
+            <a:avLst/>
+          </a:prstGeom>
         </p:spPr>
-        <p:txBody>
-          <a:bodyPr>
-            <a:normAutofit fontScale="62500" lnSpcReduction="20000"/>
-          </a:bodyPr>
-          <a:lstStyle/>
-          <a:p>
-            <a:pPr marL="0" indent="0">
-              <a:buNone/>
-            </a:pPr>
-            <a:r>
-              <a:rPr lang="de-AT" dirty="0" err="1" smtClean="0">
-                <a:solidFill>
-                  <a:schemeClr val="accent1"/>
-                </a:solidFill>
-                <a:latin typeface="Courier New" panose="02070309020205020404" pitchFamily="49" charset="0"/>
-                <a:cs typeface="Courier New" panose="02070309020205020404" pitchFamily="49" charset="0"/>
-              </a:rPr>
-              <a:t>Choose</a:t>
-            </a:r>
-            <a:r>
-              <a:rPr lang="de-AT" dirty="0" smtClean="0">
-                <a:solidFill>
-                  <a:schemeClr val="accent1"/>
-                </a:solidFill>
-                <a:latin typeface="Courier New" panose="02070309020205020404" pitchFamily="49" charset="0"/>
-                <a:cs typeface="Courier New" panose="02070309020205020404" pitchFamily="49" charset="0"/>
-              </a:rPr>
-              <a:t> </a:t>
-            </a:r>
-            <a:r>
-              <a:rPr lang="de-AT" dirty="0" err="1">
-                <a:solidFill>
-                  <a:schemeClr val="accent1"/>
-                </a:solidFill>
-                <a:latin typeface="Courier New" panose="02070309020205020404" pitchFamily="49" charset="0"/>
-                <a:cs typeface="Courier New" panose="02070309020205020404" pitchFamily="49" charset="0"/>
-              </a:rPr>
-              <a:t>your</a:t>
-            </a:r>
-            <a:r>
-              <a:rPr lang="de-AT" dirty="0">
-                <a:solidFill>
-                  <a:schemeClr val="accent1"/>
-                </a:solidFill>
-                <a:latin typeface="Courier New" panose="02070309020205020404" pitchFamily="49" charset="0"/>
-                <a:cs typeface="Courier New" panose="02070309020205020404" pitchFamily="49" charset="0"/>
-              </a:rPr>
-              <a:t> </a:t>
-            </a:r>
-            <a:r>
-              <a:rPr lang="de-AT" dirty="0" err="1">
-                <a:solidFill>
-                  <a:schemeClr val="accent1"/>
-                </a:solidFill>
-                <a:latin typeface="Courier New" panose="02070309020205020404" pitchFamily="49" charset="0"/>
-                <a:cs typeface="Courier New" panose="02070309020205020404" pitchFamily="49" charset="0"/>
-              </a:rPr>
-              <a:t>race</a:t>
-            </a:r>
-            <a:r>
-              <a:rPr lang="de-AT" dirty="0">
-                <a:solidFill>
-                  <a:schemeClr val="accent1"/>
-                </a:solidFill>
-                <a:latin typeface="Courier New" panose="02070309020205020404" pitchFamily="49" charset="0"/>
-                <a:cs typeface="Courier New" panose="02070309020205020404" pitchFamily="49" charset="0"/>
-              </a:rPr>
-              <a:t>: </a:t>
-            </a:r>
-          </a:p>
-          <a:p>
-            <a:pPr marL="0" indent="0">
-              <a:buNone/>
-            </a:pPr>
-            <a:r>
-              <a:rPr lang="en-US" dirty="0" smtClean="0">
-                <a:solidFill>
-                  <a:schemeClr val="accent1"/>
-                </a:solidFill>
-                <a:latin typeface="Courier New" panose="02070309020205020404" pitchFamily="49" charset="0"/>
-                <a:cs typeface="Courier New" panose="02070309020205020404" pitchFamily="49" charset="0"/>
-              </a:rPr>
-              <a:t>Enter your race: [Dwarf, Elf, Orc, Troll]</a:t>
-            </a:r>
-          </a:p>
-          <a:p>
-            <a:pPr marL="0" indent="0">
-              <a:buNone/>
-            </a:pPr>
-            <a:r>
-              <a:rPr lang="de-AT" dirty="0" smtClean="0">
-                <a:latin typeface="Courier New" panose="02070309020205020404" pitchFamily="49" charset="0"/>
-                <a:cs typeface="Courier New" panose="02070309020205020404" pitchFamily="49" charset="0"/>
-              </a:rPr>
-              <a:t>Elf</a:t>
-            </a:r>
-          </a:p>
-          <a:p>
-            <a:pPr marL="0" indent="0">
-              <a:buNone/>
-            </a:pPr>
-            <a:r>
-              <a:rPr lang="de-AT" dirty="0" smtClean="0">
-                <a:solidFill>
-                  <a:schemeClr val="accent1"/>
-                </a:solidFill>
-                <a:latin typeface="Courier New" panose="02070309020205020404" pitchFamily="49" charset="0"/>
-                <a:cs typeface="Courier New" panose="02070309020205020404" pitchFamily="49" charset="0"/>
-              </a:rPr>
-              <a:t>Enter </a:t>
-            </a:r>
-            <a:r>
-              <a:rPr lang="de-AT" dirty="0" err="1">
-                <a:solidFill>
-                  <a:schemeClr val="accent1"/>
-                </a:solidFill>
-                <a:latin typeface="Courier New" panose="02070309020205020404" pitchFamily="49" charset="0"/>
-                <a:cs typeface="Courier New" panose="02070309020205020404" pitchFamily="49" charset="0"/>
-              </a:rPr>
-              <a:t>your</a:t>
-            </a:r>
-            <a:r>
-              <a:rPr lang="de-AT" dirty="0">
-                <a:solidFill>
-                  <a:schemeClr val="accent1"/>
-                </a:solidFill>
-                <a:latin typeface="Courier New" panose="02070309020205020404" pitchFamily="49" charset="0"/>
-                <a:cs typeface="Courier New" panose="02070309020205020404" pitchFamily="49" charset="0"/>
-              </a:rPr>
-              <a:t> </a:t>
-            </a:r>
-            <a:r>
-              <a:rPr lang="de-AT" dirty="0" err="1">
-                <a:solidFill>
-                  <a:schemeClr val="accent1"/>
-                </a:solidFill>
-                <a:latin typeface="Courier New" panose="02070309020205020404" pitchFamily="49" charset="0"/>
-                <a:cs typeface="Courier New" panose="02070309020205020404" pitchFamily="49" charset="0"/>
-              </a:rPr>
-              <a:t>name</a:t>
-            </a:r>
-            <a:r>
-              <a:rPr lang="de-AT" dirty="0">
-                <a:solidFill>
-                  <a:schemeClr val="accent1"/>
-                </a:solidFill>
-                <a:latin typeface="Courier New" panose="02070309020205020404" pitchFamily="49" charset="0"/>
-                <a:cs typeface="Courier New" panose="02070309020205020404" pitchFamily="49" charset="0"/>
-              </a:rPr>
-              <a:t>, elf: </a:t>
-            </a:r>
-          </a:p>
-          <a:p>
-            <a:pPr marL="0" indent="0">
-              <a:buNone/>
-            </a:pPr>
-            <a:r>
-              <a:rPr lang="de-AT" dirty="0">
-                <a:latin typeface="Courier New" panose="02070309020205020404" pitchFamily="49" charset="0"/>
-                <a:cs typeface="Courier New" panose="02070309020205020404" pitchFamily="49" charset="0"/>
-              </a:rPr>
-              <a:t>Sepp</a:t>
-            </a:r>
-          </a:p>
-          <a:p>
-            <a:pPr marL="0" indent="0">
-              <a:buNone/>
-            </a:pPr>
-            <a:r>
-              <a:rPr lang="en-US" dirty="0">
-                <a:solidFill>
-                  <a:schemeClr val="accent1"/>
-                </a:solidFill>
-                <a:latin typeface="Courier New" panose="02070309020205020404" pitchFamily="49" charset="0"/>
-                <a:cs typeface="Courier New" panose="02070309020205020404" pitchFamily="49" charset="0"/>
-              </a:rPr>
-              <a:t>Welcome to the forest, Sepp the Elf</a:t>
-            </a:r>
-          </a:p>
-          <a:p>
-            <a:pPr marL="0" indent="0">
-              <a:buNone/>
-            </a:pPr>
-            <a:r>
-              <a:rPr lang="en-US" dirty="0">
-                <a:solidFill>
-                  <a:schemeClr val="accent1"/>
-                </a:solidFill>
-                <a:latin typeface="Courier New" panose="02070309020205020404" pitchFamily="49" charset="0"/>
-                <a:cs typeface="Courier New" panose="02070309020205020404" pitchFamily="49" charset="0"/>
-              </a:rPr>
-              <a:t>You are Sepp, a strong Elf warrior, striving through the kingdom of </a:t>
-            </a:r>
-            <a:r>
-              <a:rPr lang="en-US" dirty="0" err="1">
-                <a:solidFill>
-                  <a:schemeClr val="accent1"/>
-                </a:solidFill>
-                <a:latin typeface="Courier New" panose="02070309020205020404" pitchFamily="49" charset="0"/>
-                <a:cs typeface="Courier New" panose="02070309020205020404" pitchFamily="49" charset="0"/>
-              </a:rPr>
-              <a:t>Hagenburg</a:t>
-            </a:r>
-            <a:r>
-              <a:rPr lang="en-US" dirty="0">
-                <a:solidFill>
-                  <a:schemeClr val="accent1"/>
-                </a:solidFill>
-                <a:latin typeface="Courier New" panose="02070309020205020404" pitchFamily="49" charset="0"/>
-                <a:cs typeface="Courier New" panose="02070309020205020404" pitchFamily="49" charset="0"/>
-              </a:rPr>
-              <a:t> on your journey to find a maiden and treasures beyond your imagination. On this very day you are in a dark forest, where you wander around</a:t>
-            </a:r>
-          </a:p>
-          <a:p>
-            <a:pPr marL="0" indent="0">
-              <a:buNone/>
-            </a:pPr>
-            <a:r>
-              <a:rPr lang="en-US" dirty="0">
-                <a:solidFill>
-                  <a:schemeClr val="accent1"/>
-                </a:solidFill>
-                <a:latin typeface="Courier New" panose="02070309020205020404" pitchFamily="49" charset="0"/>
-                <a:cs typeface="Courier New" panose="02070309020205020404" pitchFamily="49" charset="0"/>
-              </a:rPr>
-              <a:t>After wandering through the woods for hours, you encounter a big, sleeping dragon. What will you do?</a:t>
-            </a:r>
-          </a:p>
-          <a:p>
-            <a:pPr marL="0" indent="0">
-              <a:buNone/>
-            </a:pPr>
-            <a:r>
-              <a:rPr lang="en-US" dirty="0">
-                <a:solidFill>
-                  <a:schemeClr val="accent1"/>
-                </a:solidFill>
-                <a:latin typeface="Courier New" panose="02070309020205020404" pitchFamily="49" charset="0"/>
-                <a:cs typeface="Courier New" panose="02070309020205020404" pitchFamily="49" charset="0"/>
-              </a:rPr>
-              <a:t>[Press A] You try to slay the beast</a:t>
-            </a:r>
-          </a:p>
-          <a:p>
-            <a:pPr marL="0" indent="0">
-              <a:buNone/>
-            </a:pPr>
-            <a:r>
-              <a:rPr lang="en-US" dirty="0">
-                <a:solidFill>
-                  <a:schemeClr val="accent1"/>
-                </a:solidFill>
-                <a:latin typeface="Courier New" panose="02070309020205020404" pitchFamily="49" charset="0"/>
-                <a:cs typeface="Courier New" panose="02070309020205020404" pitchFamily="49" charset="0"/>
-              </a:rPr>
-              <a:t>[Press B] You try to sneak past it</a:t>
-            </a:r>
-          </a:p>
-          <a:p>
-            <a:pPr marL="0" indent="0">
-              <a:buNone/>
-            </a:pPr>
-            <a:r>
-              <a:rPr lang="en-US" dirty="0">
-                <a:solidFill>
-                  <a:schemeClr val="accent1"/>
-                </a:solidFill>
-                <a:latin typeface="Courier New" panose="02070309020205020404" pitchFamily="49" charset="0"/>
-                <a:cs typeface="Courier New" panose="02070309020205020404" pitchFamily="49" charset="0"/>
-              </a:rPr>
-              <a:t>[Press C] You try to tame the dragon</a:t>
-            </a:r>
-          </a:p>
-          <a:p>
-            <a:pPr marL="0" indent="0">
-              <a:buNone/>
-            </a:pPr>
-            <a:r>
-              <a:rPr lang="en-US" dirty="0">
-                <a:solidFill>
-                  <a:schemeClr val="accent1"/>
-                </a:solidFill>
-                <a:latin typeface="Courier New" panose="02070309020205020404" pitchFamily="49" charset="0"/>
-                <a:cs typeface="Courier New" panose="02070309020205020404" pitchFamily="49" charset="0"/>
-              </a:rPr>
-              <a:t>Please enter a, b or c</a:t>
-            </a:r>
-          </a:p>
-          <a:p>
-            <a:pPr marL="0" indent="0">
-              <a:buNone/>
-            </a:pPr>
-            <a:r>
-              <a:rPr lang="de-AT" dirty="0">
-                <a:latin typeface="Courier New" panose="02070309020205020404" pitchFamily="49" charset="0"/>
-                <a:cs typeface="Courier New" panose="02070309020205020404" pitchFamily="49" charset="0"/>
-              </a:rPr>
-              <a:t>A</a:t>
-            </a:r>
-          </a:p>
-          <a:p>
-            <a:pPr marL="0" indent="0">
-              <a:buNone/>
-            </a:pPr>
-            <a:r>
-              <a:rPr lang="en-US" dirty="0">
-                <a:solidFill>
-                  <a:schemeClr val="accent1"/>
-                </a:solidFill>
-                <a:latin typeface="Courier New" panose="02070309020205020404" pitchFamily="49" charset="0"/>
-                <a:cs typeface="Courier New" panose="02070309020205020404" pitchFamily="49" charset="0"/>
-              </a:rPr>
-              <a:t>You try to cut of the dragons head with a single blow but the dragon awakes and a furious combat starts. You barely make it out alive and can escape from the dragon.</a:t>
-            </a:r>
-          </a:p>
-          <a:p>
-            <a:pPr marL="0" indent="0">
-              <a:buNone/>
-            </a:pPr>
-            <a:r>
-              <a:rPr lang="en-US" dirty="0">
-                <a:solidFill>
-                  <a:schemeClr val="accent1"/>
-                </a:solidFill>
-                <a:latin typeface="Courier New" panose="02070309020205020404" pitchFamily="49" charset="0"/>
-                <a:cs typeface="Courier New" panose="02070309020205020404" pitchFamily="49" charset="0"/>
-              </a:rPr>
-              <a:t>After leaving the dragon behind and travelling for some more hours, you find a </a:t>
-            </a:r>
-            <a:r>
-              <a:rPr lang="en-US" dirty="0" smtClean="0">
-                <a:solidFill>
-                  <a:schemeClr val="accent1"/>
-                </a:solidFill>
-                <a:latin typeface="Courier New" panose="02070309020205020404" pitchFamily="49" charset="0"/>
-                <a:cs typeface="Courier New" panose="02070309020205020404" pitchFamily="49" charset="0"/>
-              </a:rPr>
-              <a:t>Dwarf resting </a:t>
-            </a:r>
-            <a:r>
-              <a:rPr lang="en-US" dirty="0">
-                <a:solidFill>
-                  <a:schemeClr val="accent1"/>
-                </a:solidFill>
-                <a:latin typeface="Courier New" panose="02070309020205020404" pitchFamily="49" charset="0"/>
-                <a:cs typeface="Courier New" panose="02070309020205020404" pitchFamily="49" charset="0"/>
-              </a:rPr>
-              <a:t>beside the path</a:t>
-            </a:r>
-          </a:p>
-          <a:p>
-            <a:pPr marL="0" indent="0">
-              <a:buNone/>
-            </a:pPr>
-            <a:endParaRPr lang="de-AT" dirty="0"/>
-          </a:p>
-        </p:txBody>
-      </p:sp>
+      </p:pic>
     </p:spTree>
     <p:extLst>
       <p:ext uri="{BB962C8B-B14F-4D97-AF65-F5344CB8AC3E}">
-        <p14:creationId xmlns:p14="http://schemas.microsoft.com/office/powerpoint/2010/main" val="1635560576"/>
+        <p14:creationId xmlns:p14="http://schemas.microsoft.com/office/powerpoint/2010/main" val="1998042976"/>
       </p:ext>
     </p:extLst>
   </p:cSld>

--- a/Docs/presi.pptx
+++ b/Docs/presi.pptx
@@ -3040,6 +3040,13 @@
   <p:clrMapOvr>
     <a:masterClrMapping/>
   </p:clrMapOvr>
+  <p:timing>
+    <p:tnLst>
+      <p:par>
+        <p:cTn id="1" dur="indefinite" restart="never" nodeType="tmRoot"/>
+      </p:par>
+    </p:tnLst>
+  </p:timing>
 </p:sld>
 </file>
 
@@ -3099,6 +3106,81 @@
           <a:lstStyle/>
           <a:p>
             <a:r>
+              <a:rPr lang="de-AT" dirty="0" smtClean="0"/>
+              <a:t>Play </a:t>
+            </a:r>
+            <a:r>
+              <a:rPr lang="de-AT" dirty="0" err="1" smtClean="0"/>
+              <a:t>the</a:t>
+            </a:r>
+            <a:r>
+              <a:rPr lang="de-AT" dirty="0" smtClean="0"/>
+              <a:t> </a:t>
+            </a:r>
+            <a:r>
+              <a:rPr lang="de-AT" dirty="0" err="1" smtClean="0"/>
+              <a:t>already</a:t>
+            </a:r>
+            <a:r>
+              <a:rPr lang="de-AT" dirty="0" smtClean="0"/>
+              <a:t> </a:t>
+            </a:r>
+            <a:r>
+              <a:rPr lang="de-AT" dirty="0" err="1" smtClean="0"/>
+              <a:t>created</a:t>
+            </a:r>
+            <a:r>
+              <a:rPr lang="de-AT" dirty="0" smtClean="0"/>
+              <a:t> </a:t>
+            </a:r>
+            <a:r>
+              <a:rPr lang="de-AT" dirty="0" err="1" smtClean="0"/>
+              <a:t>game</a:t>
+            </a:r>
+            <a:r>
+              <a:rPr lang="de-AT" dirty="0" smtClean="0"/>
+              <a:t> </a:t>
+            </a:r>
+            <a:r>
+              <a:rPr lang="de-AT" dirty="0" err="1" smtClean="0"/>
+              <a:t>or</a:t>
+            </a:r>
+            <a:r>
+              <a:rPr lang="de-AT" dirty="0" smtClean="0"/>
+              <a:t> </a:t>
+            </a:r>
+            <a:r>
+              <a:rPr lang="de-AT" dirty="0" err="1" smtClean="0"/>
+              <a:t>write</a:t>
+            </a:r>
+            <a:r>
+              <a:rPr lang="de-AT" dirty="0" smtClean="0"/>
+              <a:t> </a:t>
+            </a:r>
+            <a:r>
+              <a:rPr lang="de-AT" dirty="0" err="1" smtClean="0"/>
+              <a:t>your</a:t>
+            </a:r>
+            <a:r>
+              <a:rPr lang="de-AT" dirty="0" smtClean="0"/>
+              <a:t> </a:t>
+            </a:r>
+            <a:r>
+              <a:rPr lang="de-AT" dirty="0" err="1" smtClean="0"/>
+              <a:t>own</a:t>
+            </a:r>
+            <a:r>
+              <a:rPr lang="de-AT" dirty="0" smtClean="0"/>
+              <a:t> </a:t>
+            </a:r>
+            <a:r>
+              <a:rPr lang="de-AT" dirty="0" err="1" smtClean="0"/>
+              <a:t>story</a:t>
+            </a:r>
+            <a:endParaRPr lang="de-AT" dirty="0" smtClean="0"/>
+          </a:p>
+          <a:p>
+            <a:r>
               <a:rPr lang="de-AT" dirty="0" err="1" smtClean="0"/>
               <a:t>Choose</a:t>
             </a:r>
@@ -3139,11 +3221,7 @@
             </a:r>
             <a:r>
               <a:rPr lang="de-AT" dirty="0" smtClean="0"/>
-              <a:t> </a:t>
-            </a:r>
-            <a:r>
-              <a:rPr lang="de-AT" dirty="0" smtClean="0"/>
-              <a:t>different </a:t>
+              <a:t> different </a:t>
             </a:r>
             <a:r>
               <a:rPr lang="de-AT" dirty="0" err="1" smtClean="0"/>
@@ -3221,6 +3299,49 @@
             <a:r>
               <a:rPr lang="de-AT" dirty="0" err="1" smtClean="0"/>
               <a:t>want</a:t>
+            </a:r>
+            <a:endParaRPr lang="de-AT" dirty="0" smtClean="0"/>
+          </a:p>
+          <a:p>
+            <a:r>
+              <a:rPr lang="de-AT" dirty="0" smtClean="0"/>
+              <a:t>Add </a:t>
+            </a:r>
+            <a:r>
+              <a:rPr lang="de-AT" dirty="0" err="1" smtClean="0"/>
+              <a:t>complex</a:t>
+            </a:r>
+            <a:r>
+              <a:rPr lang="de-AT" dirty="0" smtClean="0"/>
+              <a:t> </a:t>
+            </a:r>
+            <a:r>
+              <a:rPr lang="de-AT" dirty="0" err="1" smtClean="0"/>
+              <a:t>encounters</a:t>
+            </a:r>
+            <a:r>
+              <a:rPr lang="de-AT" dirty="0" smtClean="0"/>
+              <a:t> </a:t>
+            </a:r>
+            <a:r>
+              <a:rPr lang="de-AT" dirty="0" err="1" smtClean="0"/>
+              <a:t>with</a:t>
+            </a:r>
+            <a:r>
+              <a:rPr lang="de-AT" dirty="0" smtClean="0"/>
+              <a:t> </a:t>
+            </a:r>
+            <a:r>
+              <a:rPr lang="de-AT" dirty="0" err="1" smtClean="0"/>
+              <a:t>new</a:t>
+            </a:r>
+            <a:r>
+              <a:rPr lang="de-AT" dirty="0" smtClean="0"/>
+              <a:t> </a:t>
+            </a:r>
+            <a:r>
+              <a:rPr lang="de-AT" dirty="0" err="1" smtClean="0"/>
+              <a:t>classes</a:t>
             </a:r>
             <a:endParaRPr lang="de-AT" dirty="0"/>
           </a:p>
@@ -3236,6 +3357,13 @@
   <p:clrMapOvr>
     <a:masterClrMapping/>
   </p:clrMapOvr>
+  <p:timing>
+    <p:tnLst>
+      <p:par>
+        <p:cTn id="1" dur="indefinite" restart="never" nodeType="tmRoot"/>
+      </p:par>
+    </p:tnLst>
+  </p:timing>
 </p:sld>
 </file>
 
@@ -3290,6 +3418,13 @@
   <p:clrMapOvr>
     <a:masterClrMapping/>
   </p:clrMapOvr>
+  <p:timing>
+    <p:tnLst>
+      <p:par>
+        <p:cTn id="1" dur="indefinite" restart="never" nodeType="tmRoot"/>
+      </p:par>
+    </p:tnLst>
+  </p:timing>
 </p:sld>
 </file>
 
@@ -3402,6 +3537,13 @@
   <p:clrMapOvr>
     <a:masterClrMapping/>
   </p:clrMapOvr>
+  <p:timing>
+    <p:tnLst>
+      <p:par>
+        <p:cTn id="1" dur="indefinite" restart="never" nodeType="tmRoot"/>
+      </p:par>
+    </p:tnLst>
+  </p:timing>
 </p:sld>
 </file>
 
